--- a/docs/images/LOGO.pptx
+++ b/docs/images/LOGO.pptx
@@ -104,6 +104,11 @@
       </a:defRPr>
     </a:lvl9pPr>
   </p:defaultTextStyle>
+  <p:extLst>
+    <p:ext uri="{EFAFB233-063F-42B5-8137-9DF3F51BA10A}">
+      <p15:sldGuideLst xmlns:p15="http://schemas.microsoft.com/office/powerpoint/2012/main"/>
+    </p:ext>
+  </p:extLst>
 </p:presentation>
 </file>
 
@@ -238,7 +243,7 @@
           <a:p>
             <a:fld id="{AAB1A351-9E76-4066-8175-638DE8501E8C}" type="datetimeFigureOut">
               <a:rPr lang="en-US" smtClean="0"/>
-              <a:t>6/20/2024</a:t>
+              <a:t>10/24/2024</a:t>
             </a:fld>
             <a:endParaRPr lang="en-US"/>
           </a:p>
@@ -408,7 +413,7 @@
           <a:p>
             <a:fld id="{AAB1A351-9E76-4066-8175-638DE8501E8C}" type="datetimeFigureOut">
               <a:rPr lang="en-US" smtClean="0"/>
-              <a:t>6/20/2024</a:t>
+              <a:t>10/24/2024</a:t>
             </a:fld>
             <a:endParaRPr lang="en-US"/>
           </a:p>
@@ -588,7 +593,7 @@
           <a:p>
             <a:fld id="{AAB1A351-9E76-4066-8175-638DE8501E8C}" type="datetimeFigureOut">
               <a:rPr lang="en-US" smtClean="0"/>
-              <a:t>6/20/2024</a:t>
+              <a:t>10/24/2024</a:t>
             </a:fld>
             <a:endParaRPr lang="en-US"/>
           </a:p>
@@ -758,7 +763,7 @@
           <a:p>
             <a:fld id="{AAB1A351-9E76-4066-8175-638DE8501E8C}" type="datetimeFigureOut">
               <a:rPr lang="en-US" smtClean="0"/>
-              <a:t>6/20/2024</a:t>
+              <a:t>10/24/2024</a:t>
             </a:fld>
             <a:endParaRPr lang="en-US"/>
           </a:p>
@@ -1004,7 +1009,7 @@
           <a:p>
             <a:fld id="{AAB1A351-9E76-4066-8175-638DE8501E8C}" type="datetimeFigureOut">
               <a:rPr lang="en-US" smtClean="0"/>
-              <a:t>6/20/2024</a:t>
+              <a:t>10/24/2024</a:t>
             </a:fld>
             <a:endParaRPr lang="en-US"/>
           </a:p>
@@ -1236,7 +1241,7 @@
           <a:p>
             <a:fld id="{AAB1A351-9E76-4066-8175-638DE8501E8C}" type="datetimeFigureOut">
               <a:rPr lang="en-US" smtClean="0"/>
-              <a:t>6/20/2024</a:t>
+              <a:t>10/24/2024</a:t>
             </a:fld>
             <a:endParaRPr lang="en-US"/>
           </a:p>
@@ -1603,7 +1608,7 @@
           <a:p>
             <a:fld id="{AAB1A351-9E76-4066-8175-638DE8501E8C}" type="datetimeFigureOut">
               <a:rPr lang="en-US" smtClean="0"/>
-              <a:t>6/20/2024</a:t>
+              <a:t>10/24/2024</a:t>
             </a:fld>
             <a:endParaRPr lang="en-US"/>
           </a:p>
@@ -1721,7 +1726,7 @@
           <a:p>
             <a:fld id="{AAB1A351-9E76-4066-8175-638DE8501E8C}" type="datetimeFigureOut">
               <a:rPr lang="en-US" smtClean="0"/>
-              <a:t>6/20/2024</a:t>
+              <a:t>10/24/2024</a:t>
             </a:fld>
             <a:endParaRPr lang="en-US"/>
           </a:p>
@@ -1816,7 +1821,7 @@
           <a:p>
             <a:fld id="{AAB1A351-9E76-4066-8175-638DE8501E8C}" type="datetimeFigureOut">
               <a:rPr lang="en-US" smtClean="0"/>
-              <a:t>6/20/2024</a:t>
+              <a:t>10/24/2024</a:t>
             </a:fld>
             <a:endParaRPr lang="en-US"/>
           </a:p>
@@ -2093,7 +2098,7 @@
           <a:p>
             <a:fld id="{AAB1A351-9E76-4066-8175-638DE8501E8C}" type="datetimeFigureOut">
               <a:rPr lang="en-US" smtClean="0"/>
-              <a:t>6/20/2024</a:t>
+              <a:t>10/24/2024</a:t>
             </a:fld>
             <a:endParaRPr lang="en-US"/>
           </a:p>
@@ -2346,7 +2351,7 @@
           <a:p>
             <a:fld id="{AAB1A351-9E76-4066-8175-638DE8501E8C}" type="datetimeFigureOut">
               <a:rPr lang="en-US" smtClean="0"/>
-              <a:t>6/20/2024</a:t>
+              <a:t>10/24/2024</a:t>
             </a:fld>
             <a:endParaRPr lang="en-US"/>
           </a:p>
@@ -2559,7 +2564,7 @@
           <a:p>
             <a:fld id="{AAB1A351-9E76-4066-8175-638DE8501E8C}" type="datetimeFigureOut">
               <a:rPr lang="en-US" smtClean="0"/>
-              <a:t>6/20/2024</a:t>
+              <a:t>10/24/2024</a:t>
             </a:fld>
             <a:endParaRPr lang="en-US"/>
           </a:p>
@@ -3075,8 +3080,8 @@
         </p:nvSpPr>
         <p:spPr>
           <a:xfrm>
-            <a:off x="3920689" y="4359939"/>
-            <a:ext cx="5927209" cy="461665"/>
+            <a:off x="3717786" y="4359939"/>
+            <a:ext cx="6439552" cy="461665"/>
           </a:xfrm>
           <a:prstGeom prst="rect">
             <a:avLst/>
@@ -3107,7 +3112,17 @@
                   </a:schemeClr>
                 </a:solidFill>
               </a:rPr>
-              <a:t>standard particle packing generator for DEM</a:t>
+              <a:t>standardized </a:t>
+            </a:r>
+            <a:r>
+              <a:rPr lang="en-US" altLang="zh-CN" sz="2400" dirty="0" smtClean="0">
+                <a:solidFill>
+                  <a:schemeClr val="bg1">
+                    <a:lumMod val="50000"/>
+                  </a:schemeClr>
+                </a:solidFill>
+              </a:rPr>
+              <a:t>particle packing generator for DEM</a:t>
             </a:r>
             <a:endParaRPr lang="en-US" sz="2400" dirty="0">
               <a:solidFill>
